--- a/case2.pptx
+++ b/case2.pptx
@@ -5,22 +5,24 @@
     <p:sldMasterId id="2147483705" r:id="rId1"/>
   </p:sldMasterIdLst>
   <p:notesMasterIdLst>
-    <p:notesMasterId r:id="rId15"/>
+    <p:notesMasterId r:id="rId17"/>
   </p:notesMasterIdLst>
   <p:sldIdLst>
     <p:sldId id="256" r:id="rId2"/>
-    <p:sldId id="257" r:id="rId3"/>
-    <p:sldId id="259" r:id="rId4"/>
-    <p:sldId id="258" r:id="rId5"/>
-    <p:sldId id="260" r:id="rId6"/>
-    <p:sldId id="262" r:id="rId7"/>
-    <p:sldId id="263" r:id="rId8"/>
-    <p:sldId id="264" r:id="rId9"/>
-    <p:sldId id="265" r:id="rId10"/>
-    <p:sldId id="266" r:id="rId11"/>
-    <p:sldId id="267" r:id="rId12"/>
-    <p:sldId id="268" r:id="rId13"/>
-    <p:sldId id="261" r:id="rId14"/>
+    <p:sldId id="269" r:id="rId3"/>
+    <p:sldId id="257" r:id="rId4"/>
+    <p:sldId id="259" r:id="rId5"/>
+    <p:sldId id="258" r:id="rId6"/>
+    <p:sldId id="260" r:id="rId7"/>
+    <p:sldId id="262" r:id="rId8"/>
+    <p:sldId id="263" r:id="rId9"/>
+    <p:sldId id="264" r:id="rId10"/>
+    <p:sldId id="265" r:id="rId11"/>
+    <p:sldId id="266" r:id="rId12"/>
+    <p:sldId id="267" r:id="rId13"/>
+    <p:sldId id="268" r:id="rId14"/>
+    <p:sldId id="261" r:id="rId15"/>
+    <p:sldId id="270" r:id="rId16"/>
   </p:sldIdLst>
   <p:sldSz cx="12192000" cy="6858000"/>
   <p:notesSz cx="6858000" cy="9144000"/>
@@ -121,7 +123,7 @@
   </p:defaultTextStyle>
   <p:extLst>
     <p:ext uri="{EFAFB233-063F-42B5-8137-9DF3F51BA10A}">
-      <p15:sldGuideLst xmlns:p15="http://schemas.microsoft.com/office/powerpoint/2012/main" xmlns="">
+      <p15:sldGuideLst xmlns:p15="http://schemas.microsoft.com/office/powerpoint/2012/main">
         <p15:guide id="1" orient="horz" pos="2160">
           <p15:clr>
             <a:srgbClr val="A4A3A4"/>
@@ -220,7 +222,7 @@
           <a:p>
             <a:fld id="{D4E5F68D-220C-4FE1-AB55-4B69C76E02B6}" type="datetimeFigureOut">
               <a:rPr lang="en-US" smtClean="0"/>
-              <a:t>6/23/2016</a:t>
+              <a:t>7/4/2016</a:t>
             </a:fld>
             <a:endParaRPr lang="en-US"/>
           </a:p>
@@ -487,6 +489,174 @@
 </p:notesMaster>
 </file>
 
+<file path=ppt/notesSlides/notesSlide1.xml><?xml version="1.0" encoding="utf-8"?>
+<p:notes xmlns:a="http://schemas.openxmlformats.org/drawingml/2006/main" xmlns:r="http://schemas.openxmlformats.org/officeDocument/2006/relationships" xmlns:p="http://schemas.openxmlformats.org/presentationml/2006/main">
+  <p:cSld>
+    <p:spTree>
+      <p:nvGrpSpPr>
+        <p:cNvPr id="1" name=""/>
+        <p:cNvGrpSpPr/>
+        <p:nvPr/>
+      </p:nvGrpSpPr>
+      <p:grpSpPr>
+        <a:xfrm>
+          <a:off x="0" y="0"/>
+          <a:ext cx="0" cy="0"/>
+          <a:chOff x="0" y="0"/>
+          <a:chExt cx="0" cy="0"/>
+        </a:xfrm>
+      </p:grpSpPr>
+      <p:sp>
+        <p:nvSpPr>
+          <p:cNvPr id="2" name="Slide Image Placeholder 1"/>
+          <p:cNvSpPr>
+            <a:spLocks noGrp="1" noRot="1" noChangeAspect="1"/>
+          </p:cNvSpPr>
+          <p:nvPr>
+            <p:ph type="sldImg"/>
+          </p:nvPr>
+        </p:nvSpPr>
+        <p:spPr/>
+      </p:sp>
+      <p:sp>
+        <p:nvSpPr>
+          <p:cNvPr id="3" name="Notes Placeholder 2"/>
+          <p:cNvSpPr>
+            <a:spLocks noGrp="1"/>
+          </p:cNvSpPr>
+          <p:nvPr>
+            <p:ph type="body" idx="1"/>
+          </p:nvPr>
+        </p:nvSpPr>
+        <p:spPr/>
+        <p:txBody>
+          <a:bodyPr/>
+          <a:lstStyle/>
+          <a:p>
+            <a:endParaRPr lang="en-US" dirty="0"/>
+          </a:p>
+        </p:txBody>
+      </p:sp>
+      <p:sp>
+        <p:nvSpPr>
+          <p:cNvPr id="4" name="Slide Number Placeholder 3"/>
+          <p:cNvSpPr>
+            <a:spLocks noGrp="1"/>
+          </p:cNvSpPr>
+          <p:nvPr>
+            <p:ph type="sldNum" sz="quarter" idx="10"/>
+          </p:nvPr>
+        </p:nvSpPr>
+        <p:spPr/>
+        <p:txBody>
+          <a:bodyPr/>
+          <a:lstStyle/>
+          <a:p>
+            <a:fld id="{C85C0C4C-6DE7-4C30-A614-7C3F3C58E71A}" type="slidenum">
+              <a:rPr lang="en-US" smtClean="0"/>
+              <a:t>2</a:t>
+            </a:fld>
+            <a:endParaRPr lang="en-US"/>
+          </a:p>
+        </p:txBody>
+      </p:sp>
+    </p:spTree>
+    <p:extLst>
+      <p:ext uri="{BB962C8B-B14F-4D97-AF65-F5344CB8AC3E}">
+        <p14:creationId xmlns:p14="http://schemas.microsoft.com/office/powerpoint/2010/main" val="2883135580"/>
+      </p:ext>
+    </p:extLst>
+  </p:cSld>
+  <p:clrMapOvr>
+    <a:masterClrMapping/>
+  </p:clrMapOvr>
+</p:notes>
+</file>
+
+<file path=ppt/notesSlides/notesSlide2.xml><?xml version="1.0" encoding="utf-8"?>
+<p:notes xmlns:a="http://schemas.openxmlformats.org/drawingml/2006/main" xmlns:r="http://schemas.openxmlformats.org/officeDocument/2006/relationships" xmlns:p="http://schemas.openxmlformats.org/presentationml/2006/main">
+  <p:cSld>
+    <p:spTree>
+      <p:nvGrpSpPr>
+        <p:cNvPr id="1" name=""/>
+        <p:cNvGrpSpPr/>
+        <p:nvPr/>
+      </p:nvGrpSpPr>
+      <p:grpSpPr>
+        <a:xfrm>
+          <a:off x="0" y="0"/>
+          <a:ext cx="0" cy="0"/>
+          <a:chOff x="0" y="0"/>
+          <a:chExt cx="0" cy="0"/>
+        </a:xfrm>
+      </p:grpSpPr>
+      <p:sp>
+        <p:nvSpPr>
+          <p:cNvPr id="2" name="Slide Image Placeholder 1"/>
+          <p:cNvSpPr>
+            <a:spLocks noGrp="1" noRot="1" noChangeAspect="1"/>
+          </p:cNvSpPr>
+          <p:nvPr>
+            <p:ph type="sldImg"/>
+          </p:nvPr>
+        </p:nvSpPr>
+        <p:spPr/>
+      </p:sp>
+      <p:sp>
+        <p:nvSpPr>
+          <p:cNvPr id="3" name="Notes Placeholder 2"/>
+          <p:cNvSpPr>
+            <a:spLocks noGrp="1"/>
+          </p:cNvSpPr>
+          <p:nvPr>
+            <p:ph type="body" idx="1"/>
+          </p:nvPr>
+        </p:nvSpPr>
+        <p:spPr/>
+        <p:txBody>
+          <a:bodyPr/>
+          <a:lstStyle/>
+          <a:p>
+            <a:endParaRPr lang="en-US" dirty="0"/>
+          </a:p>
+        </p:txBody>
+      </p:sp>
+      <p:sp>
+        <p:nvSpPr>
+          <p:cNvPr id="4" name="Slide Number Placeholder 3"/>
+          <p:cNvSpPr>
+            <a:spLocks noGrp="1"/>
+          </p:cNvSpPr>
+          <p:nvPr>
+            <p:ph type="sldNum" sz="quarter" idx="10"/>
+          </p:nvPr>
+        </p:nvSpPr>
+        <p:spPr/>
+        <p:txBody>
+          <a:bodyPr/>
+          <a:lstStyle/>
+          <a:p>
+            <a:fld id="{C85C0C4C-6DE7-4C30-A614-7C3F3C58E71A}" type="slidenum">
+              <a:rPr lang="en-US" smtClean="0"/>
+              <a:t>5</a:t>
+            </a:fld>
+            <a:endParaRPr lang="en-US"/>
+          </a:p>
+        </p:txBody>
+      </p:sp>
+    </p:spTree>
+    <p:extLst>
+      <p:ext uri="{BB962C8B-B14F-4D97-AF65-F5344CB8AC3E}">
+        <p14:creationId xmlns:p14="http://schemas.microsoft.com/office/powerpoint/2010/main" val="2910981615"/>
+      </p:ext>
+    </p:extLst>
+  </p:cSld>
+  <p:clrMapOvr>
+    <a:masterClrMapping/>
+  </p:clrMapOvr>
+</p:notes>
+</file>
+
 <file path=ppt/slideLayouts/slideLayout1.xml><?xml version="1.0" encoding="utf-8"?>
 <p:sldLayout xmlns:a="http://schemas.openxmlformats.org/drawingml/2006/main" xmlns:r="http://schemas.openxmlformats.org/officeDocument/2006/relationships" xmlns:p="http://schemas.openxmlformats.org/presentationml/2006/main" type="title" preserve="1">
   <p:cSld name="Title Slide">
@@ -717,7 +887,7 @@
             <a:fld id="{B61BEF0D-F0BB-DE4B-95CE-6DB70DBA9567}" type="datetimeFigureOut">
               <a:rPr lang="en-US" smtClean="0"/>
               <a:pPr/>
-              <a:t>6/23/2016</a:t>
+              <a:t>7/4/2016</a:t>
             </a:fld>
             <a:endParaRPr lang="en-US" dirty="0"/>
           </a:p>
@@ -1053,7 +1223,7 @@
             <a:fld id="{B61BEF0D-F0BB-DE4B-95CE-6DB70DBA9567}" type="datetimeFigureOut">
               <a:rPr lang="en-US" smtClean="0"/>
               <a:pPr/>
-              <a:t>6/23/2016</a:t>
+              <a:t>7/4/2016</a:t>
             </a:fld>
             <a:endParaRPr lang="en-US" dirty="0"/>
           </a:p>
@@ -1333,7 +1503,7 @@
             <a:fld id="{B61BEF0D-F0BB-DE4B-95CE-6DB70DBA9567}" type="datetimeFigureOut">
               <a:rPr lang="en-US" smtClean="0"/>
               <a:pPr/>
-              <a:t>6/23/2016</a:t>
+              <a:t>7/4/2016</a:t>
             </a:fld>
             <a:endParaRPr lang="en-US" dirty="0"/>
           </a:p>
@@ -1903,7 +2073,7 @@
             <a:fld id="{B61BEF0D-F0BB-DE4B-95CE-6DB70DBA9567}" type="datetimeFigureOut">
               <a:rPr lang="en-US" smtClean="0"/>
               <a:pPr/>
-              <a:t>6/23/2016</a:t>
+              <a:t>7/4/2016</a:t>
             </a:fld>
             <a:endParaRPr lang="en-US" dirty="0"/>
           </a:p>
@@ -2183,7 +2353,7 @@
             <a:fld id="{B61BEF0D-F0BB-DE4B-95CE-6DB70DBA9567}" type="datetimeFigureOut">
               <a:rPr lang="en-US" smtClean="0"/>
               <a:pPr/>
-              <a:t>6/23/2016</a:t>
+              <a:t>7/4/2016</a:t>
             </a:fld>
             <a:endParaRPr lang="en-US" dirty="0"/>
           </a:p>
@@ -2747,7 +2917,7 @@
             <a:fld id="{B61BEF0D-F0BB-DE4B-95CE-6DB70DBA9567}" type="datetimeFigureOut">
               <a:rPr lang="en-US" smtClean="0"/>
               <a:pPr/>
-              <a:t>6/23/2016</a:t>
+              <a:t>7/4/2016</a:t>
             </a:fld>
             <a:endParaRPr lang="en-US" dirty="0"/>
           </a:p>
@@ -3076,7 +3246,7 @@
             <a:fld id="{B61BEF0D-F0BB-DE4B-95CE-6DB70DBA9567}" type="datetimeFigureOut">
               <a:rPr lang="en-US" smtClean="0"/>
               <a:pPr/>
-              <a:t>6/23/2016</a:t>
+              <a:t>7/4/2016</a:t>
             </a:fld>
             <a:endParaRPr lang="en-US" dirty="0"/>
           </a:p>
@@ -3283,7 +3453,7 @@
             <a:fld id="{B61BEF0D-F0BB-DE4B-95CE-6DB70DBA9567}" type="datetimeFigureOut">
               <a:rPr lang="en-US" smtClean="0"/>
               <a:pPr/>
-              <a:t>6/23/2016</a:t>
+              <a:t>7/4/2016</a:t>
             </a:fld>
             <a:endParaRPr lang="en-US" dirty="0"/>
           </a:p>
@@ -3495,7 +3665,7 @@
             <a:fld id="{B61BEF0D-F0BB-DE4B-95CE-6DB70DBA9567}" type="datetimeFigureOut">
               <a:rPr lang="en-US" smtClean="0"/>
               <a:pPr/>
-              <a:t>6/23/2016</a:t>
+              <a:t>7/4/2016</a:t>
             </a:fld>
             <a:endParaRPr lang="en-US" dirty="0"/>
           </a:p>
@@ -3700,7 +3870,7 @@
             <a:fld id="{B61BEF0D-F0BB-DE4B-95CE-6DB70DBA9567}" type="datetimeFigureOut">
               <a:rPr lang="en-US" smtClean="0"/>
               <a:pPr/>
-              <a:t>6/23/2016</a:t>
+              <a:t>7/4/2016</a:t>
             </a:fld>
             <a:endParaRPr lang="en-US" dirty="0"/>
           </a:p>
@@ -3978,7 +4148,7 @@
             <a:fld id="{B61BEF0D-F0BB-DE4B-95CE-6DB70DBA9567}" type="datetimeFigureOut">
               <a:rPr lang="en-US" smtClean="0"/>
               <a:pPr/>
-              <a:t>6/23/2016</a:t>
+              <a:t>7/4/2016</a:t>
             </a:fld>
             <a:endParaRPr lang="en-US" dirty="0"/>
           </a:p>
@@ -4249,7 +4419,7 @@
             <a:fld id="{B61BEF0D-F0BB-DE4B-95CE-6DB70DBA9567}" type="datetimeFigureOut">
               <a:rPr lang="en-US" smtClean="0"/>
               <a:pPr/>
-              <a:t>6/23/2016</a:t>
+              <a:t>7/4/2016</a:t>
             </a:fld>
             <a:endParaRPr lang="en-US" dirty="0"/>
           </a:p>
@@ -4624,7 +4794,7 @@
             <a:fld id="{B61BEF0D-F0BB-DE4B-95CE-6DB70DBA9567}" type="datetimeFigureOut">
               <a:rPr lang="en-US" smtClean="0"/>
               <a:pPr/>
-              <a:t>6/23/2016</a:t>
+              <a:t>7/4/2016</a:t>
             </a:fld>
             <a:endParaRPr lang="en-US" dirty="0"/>
           </a:p>
@@ -4777,7 +4947,7 @@
             <a:fld id="{B61BEF0D-F0BB-DE4B-95CE-6DB70DBA9567}" type="datetimeFigureOut">
               <a:rPr lang="en-US" smtClean="0"/>
               <a:pPr/>
-              <a:t>6/23/2016</a:t>
+              <a:t>7/4/2016</a:t>
             </a:fld>
             <a:endParaRPr lang="en-US" dirty="0"/>
           </a:p>
@@ -4904,7 +5074,7 @@
             <a:fld id="{B61BEF0D-F0BB-DE4B-95CE-6DB70DBA9567}" type="datetimeFigureOut">
               <a:rPr lang="en-US" smtClean="0"/>
               <a:pPr/>
-              <a:t>6/23/2016</a:t>
+              <a:t>7/4/2016</a:t>
             </a:fld>
             <a:endParaRPr lang="en-US" dirty="0"/>
           </a:p>
@@ -5191,7 +5361,7 @@
             <a:fld id="{B61BEF0D-F0BB-DE4B-95CE-6DB70DBA9567}" type="datetimeFigureOut">
               <a:rPr lang="en-US" smtClean="0"/>
               <a:pPr/>
-              <a:t>6/23/2016</a:t>
+              <a:t>7/4/2016</a:t>
             </a:fld>
             <a:endParaRPr lang="en-US" dirty="0"/>
           </a:p>
@@ -5517,7 +5687,7 @@
             <a:fld id="{B61BEF0D-F0BB-DE4B-95CE-6DB70DBA9567}" type="datetimeFigureOut">
               <a:rPr lang="en-US" smtClean="0"/>
               <a:pPr/>
-              <a:t>6/23/2016</a:t>
+              <a:t>7/4/2016</a:t>
             </a:fld>
             <a:endParaRPr lang="en-US" dirty="0"/>
           </a:p>
@@ -5733,7 +5903,7 @@
             <a:fld id="{B61BEF0D-F0BB-DE4B-95CE-6DB70DBA9567}" type="datetimeFigureOut">
               <a:rPr lang="en-US" smtClean="0"/>
               <a:pPr/>
-              <a:t>6/23/2016</a:t>
+              <a:t>7/4/2016</a:t>
             </a:fld>
             <a:endParaRPr lang="en-US" dirty="0"/>
           </a:p>
@@ -6345,10 +6515,9 @@
           <a:lstStyle/>
           <a:p>
             <a:r>
-              <a:rPr lang="en-US" dirty="0" smtClean="0"/>
-              <a:t>c2-listing7 – housekeeping part 2</a:t>
-            </a:r>
-            <a:endParaRPr lang="en-US" dirty="0"/>
+              <a:rPr lang="en-US" dirty="0"/>
+              <a:t>c2-listing6 – housekeeping</a:t>
+            </a:r>
           </a:p>
         </p:txBody>
       </p:sp>
@@ -6406,17 +6575,16 @@
           <a:lstStyle/>
           <a:p>
             <a:r>
-              <a:rPr lang="en-US" dirty="0" smtClean="0"/>
+              <a:rPr lang="en-US" dirty="0"/>
               <a:t>We’ll move all of our logging capabilities into a function.</a:t>
             </a:r>
-            <a:endParaRPr lang="en-US" dirty="0"/>
           </a:p>
         </p:txBody>
       </p:sp>
     </p:spTree>
     <p:extLst>
       <p:ext uri="{BB962C8B-B14F-4D97-AF65-F5344CB8AC3E}">
-        <p14:creationId xmlns:p14="http://schemas.microsoft.com/office/powerpoint/2010/main" val="2853684252"/>
+        <p14:creationId xmlns:p14="http://schemas.microsoft.com/office/powerpoint/2010/main" val="1153985059"/>
       </p:ext>
     </p:extLst>
   </p:cSld>
@@ -6459,10 +6627,9 @@
           <a:lstStyle/>
           <a:p>
             <a:r>
-              <a:rPr lang="en-US" dirty="0" smtClean="0"/>
-              <a:t>c2-listing8 – a little extra – log formatting utility</a:t>
-            </a:r>
-            <a:endParaRPr lang="en-US" dirty="0"/>
+              <a:rPr lang="en-US" dirty="0"/>
+              <a:t>c2-listing7 – housekeeping part 2</a:t>
+            </a:r>
           </a:p>
         </p:txBody>
       </p:sp>
@@ -6481,7 +6648,7 @@
           <a:bodyPr/>
           <a:lstStyle/>
           <a:p>
-            <a:endParaRPr lang="en-US" dirty="0"/>
+            <a:endParaRPr lang="en-US"/>
           </a:p>
         </p:txBody>
       </p:sp>
@@ -6520,17 +6687,16 @@
           <a:lstStyle/>
           <a:p>
             <a:r>
-              <a:rPr lang="en-US" dirty="0" smtClean="0"/>
+              <a:rPr lang="en-US" dirty="0"/>
               <a:t>We’ll move all of our logging capabilities into a function.</a:t>
             </a:r>
-            <a:endParaRPr lang="en-US" dirty="0"/>
           </a:p>
         </p:txBody>
       </p:sp>
     </p:spTree>
     <p:extLst>
       <p:ext uri="{BB962C8B-B14F-4D97-AF65-F5344CB8AC3E}">
-        <p14:creationId xmlns:p14="http://schemas.microsoft.com/office/powerpoint/2010/main" val="2528582798"/>
+        <p14:creationId xmlns:p14="http://schemas.microsoft.com/office/powerpoint/2010/main" val="2853684252"/>
       </p:ext>
     </p:extLst>
   </p:cSld>
@@ -6573,44 +6739,76 @@
           <a:lstStyle/>
           <a:p>
             <a:r>
-              <a:rPr lang="en-US" dirty="0" smtClean="0"/>
-              <a:t>c2-listing9 </a:t>
-            </a:r>
-            <a:r>
               <a:rPr lang="en-US" dirty="0"/>
-              <a:t>– </a:t>
-            </a:r>
-            <a:r>
-              <a:rPr lang="en-US" dirty="0" smtClean="0"/>
-              <a:t>modularize</a:t>
-            </a:r>
+              <a:t>c2-listing8 – a little extra – log formatting utility</a:t>
+            </a:r>
+          </a:p>
+        </p:txBody>
+      </p:sp>
+      <p:sp>
+        <p:nvSpPr>
+          <p:cNvPr id="3" name="Content Placeholder 2"/>
+          <p:cNvSpPr>
+            <a:spLocks noGrp="1"/>
+          </p:cNvSpPr>
+          <p:nvPr>
+            <p:ph idx="1"/>
+          </p:nvPr>
+        </p:nvSpPr>
+        <p:spPr/>
+        <p:txBody>
+          <a:bodyPr/>
+          <a:lstStyle/>
+          <a:p>
             <a:endParaRPr lang="en-US" dirty="0"/>
           </a:p>
         </p:txBody>
       </p:sp>
       <p:sp>
         <p:nvSpPr>
-          <p:cNvPr id="3" name="Content Placeholder 2"/>
-          <p:cNvSpPr>
-            <a:spLocks noGrp="1"/>
-          </p:cNvSpPr>
-          <p:nvPr>
-            <p:ph idx="1"/>
-          </p:nvPr>
-        </p:nvSpPr>
-        <p:spPr/>
-        <p:txBody>
-          <a:bodyPr/>
-          <a:lstStyle/>
-          <a:p>
-            <a:endParaRPr lang="en-US"/>
+          <p:cNvPr id="5" name="TextBox 4"/>
+          <p:cNvSpPr txBox="1"/>
+          <p:nvPr/>
+        </p:nvSpPr>
+        <p:spPr>
+          <a:xfrm>
+            <a:off x="587084" y="1890132"/>
+            <a:ext cx="5851815" cy="646331"/>
+          </a:xfrm>
+          <a:prstGeom prst="rect">
+            <a:avLst/>
+          </a:prstGeom>
+          <a:solidFill>
+            <a:schemeClr val="bg2">
+              <a:lumMod val="50000"/>
+            </a:schemeClr>
+          </a:solidFill>
+          <a:ln>
+            <a:solidFill>
+              <a:schemeClr val="accent1">
+                <a:lumMod val="20000"/>
+                <a:lumOff val="80000"/>
+              </a:schemeClr>
+            </a:solidFill>
+          </a:ln>
+        </p:spPr>
+        <p:txBody>
+          <a:bodyPr wrap="square" lIns="182880" tIns="182880" rIns="182880" bIns="182880" rtlCol="0">
+            <a:spAutoFit/>
+          </a:bodyPr>
+          <a:lstStyle/>
+          <a:p>
+            <a:r>
+              <a:rPr lang="en-US" dirty="0"/>
+              <a:t>We’ll move all of our logging capabilities into a function.</a:t>
+            </a:r>
           </a:p>
         </p:txBody>
       </p:sp>
     </p:spTree>
     <p:extLst>
       <p:ext uri="{BB962C8B-B14F-4D97-AF65-F5344CB8AC3E}">
-        <p14:creationId xmlns:p14="http://schemas.microsoft.com/office/powerpoint/2010/main" val="1923464884"/>
+        <p14:creationId xmlns:p14="http://schemas.microsoft.com/office/powerpoint/2010/main" val="2528582798"/>
       </p:ext>
     </p:extLst>
   </p:cSld>
@@ -6654,6 +6852,77 @@
           <a:p>
             <a:r>
               <a:rPr lang="en-US" dirty="0"/>
+              <a:t>c2-listing9 – modularize</a:t>
+            </a:r>
+          </a:p>
+        </p:txBody>
+      </p:sp>
+      <p:sp>
+        <p:nvSpPr>
+          <p:cNvPr id="3" name="Content Placeholder 2"/>
+          <p:cNvSpPr>
+            <a:spLocks noGrp="1"/>
+          </p:cNvSpPr>
+          <p:nvPr>
+            <p:ph idx="1"/>
+          </p:nvPr>
+        </p:nvSpPr>
+        <p:spPr/>
+        <p:txBody>
+          <a:bodyPr/>
+          <a:lstStyle/>
+          <a:p>
+            <a:endParaRPr lang="en-US"/>
+          </a:p>
+        </p:txBody>
+      </p:sp>
+    </p:spTree>
+    <p:extLst>
+      <p:ext uri="{BB962C8B-B14F-4D97-AF65-F5344CB8AC3E}">
+        <p14:creationId xmlns:p14="http://schemas.microsoft.com/office/powerpoint/2010/main" val="1923464884"/>
+      </p:ext>
+    </p:extLst>
+  </p:cSld>
+  <p:clrMapOvr>
+    <a:masterClrMapping/>
+  </p:clrMapOvr>
+</p:sld>
+</file>
+
+<file path=ppt/slides/slide14.xml><?xml version="1.0" encoding="utf-8"?>
+<p:sld xmlns:a="http://schemas.openxmlformats.org/drawingml/2006/main" xmlns:r="http://schemas.openxmlformats.org/officeDocument/2006/relationships" xmlns:p="http://schemas.openxmlformats.org/presentationml/2006/main">
+  <p:cSld>
+    <p:spTree>
+      <p:nvGrpSpPr>
+        <p:cNvPr id="1" name=""/>
+        <p:cNvGrpSpPr/>
+        <p:nvPr/>
+      </p:nvGrpSpPr>
+      <p:grpSpPr>
+        <a:xfrm>
+          <a:off x="0" y="0"/>
+          <a:ext cx="0" cy="0"/>
+          <a:chOff x="0" y="0"/>
+          <a:chExt cx="0" cy="0"/>
+        </a:xfrm>
+      </p:grpSpPr>
+      <p:sp>
+        <p:nvSpPr>
+          <p:cNvPr id="2" name="Title 1"/>
+          <p:cNvSpPr>
+            <a:spLocks noGrp="1"/>
+          </p:cNvSpPr>
+          <p:nvPr>
+            <p:ph type="title"/>
+          </p:nvPr>
+        </p:nvSpPr>
+        <p:spPr/>
+        <p:txBody>
+          <a:bodyPr/>
+          <a:lstStyle/>
+          <a:p>
+            <a:r>
+              <a:rPr lang="en-US" dirty="0"/>
               <a:t>c2-listing? – avoid false reports</a:t>
             </a:r>
           </a:p>
@@ -6707,6 +6976,77 @@
     <p:extLst>
       <p:ext uri="{BB962C8B-B14F-4D97-AF65-F5344CB8AC3E}">
         <p14:creationId xmlns:p14="http://schemas.microsoft.com/office/powerpoint/2010/main" val="840585270"/>
+      </p:ext>
+    </p:extLst>
+  </p:cSld>
+  <p:clrMapOvr>
+    <a:masterClrMapping/>
+  </p:clrMapOvr>
+</p:sld>
+</file>
+
+<file path=ppt/slides/slide15.xml><?xml version="1.0" encoding="utf-8"?>
+<p:sld xmlns:a="http://schemas.openxmlformats.org/drawingml/2006/main" xmlns:r="http://schemas.openxmlformats.org/officeDocument/2006/relationships" xmlns:p="http://schemas.openxmlformats.org/presentationml/2006/main">
+  <p:cSld>
+    <p:spTree>
+      <p:nvGrpSpPr>
+        <p:cNvPr id="1" name=""/>
+        <p:cNvGrpSpPr/>
+        <p:nvPr/>
+      </p:nvGrpSpPr>
+      <p:grpSpPr>
+        <a:xfrm>
+          <a:off x="0" y="0"/>
+          <a:ext cx="0" cy="0"/>
+          <a:chOff x="0" y="0"/>
+          <a:chExt cx="0" cy="0"/>
+        </a:xfrm>
+      </p:grpSpPr>
+      <p:sp>
+        <p:nvSpPr>
+          <p:cNvPr id="2" name="Title 1"/>
+          <p:cNvSpPr>
+            <a:spLocks noGrp="1"/>
+          </p:cNvSpPr>
+          <p:nvPr>
+            <p:ph type="title"/>
+          </p:nvPr>
+        </p:nvSpPr>
+        <p:spPr/>
+        <p:txBody>
+          <a:bodyPr/>
+          <a:lstStyle/>
+          <a:p>
+            <a:r>
+              <a:rPr lang="en-US" dirty="0"/>
+              <a:t>c2s20.js</a:t>
+            </a:r>
+          </a:p>
+        </p:txBody>
+      </p:sp>
+      <p:sp>
+        <p:nvSpPr>
+          <p:cNvPr id="3" name="Content Placeholder 2"/>
+          <p:cNvSpPr>
+            <a:spLocks noGrp="1"/>
+          </p:cNvSpPr>
+          <p:nvPr>
+            <p:ph idx="1"/>
+          </p:nvPr>
+        </p:nvSpPr>
+        <p:spPr/>
+        <p:txBody>
+          <a:bodyPr/>
+          <a:lstStyle/>
+          <a:p>
+            <a:endParaRPr lang="en-US"/>
+          </a:p>
+        </p:txBody>
+      </p:sp>
+    </p:spTree>
+    <p:extLst>
+      <p:ext uri="{BB962C8B-B14F-4D97-AF65-F5344CB8AC3E}">
+        <p14:creationId xmlns:p14="http://schemas.microsoft.com/office/powerpoint/2010/main" val="4030469496"/>
       </p:ext>
     </p:extLst>
   </p:cSld>
@@ -6748,6 +7088,1055 @@
           <a:bodyPr/>
           <a:lstStyle/>
           <a:p>
+            <a:endParaRPr lang="en-US"/>
+          </a:p>
+        </p:txBody>
+      </p:sp>
+      <p:sp>
+        <p:nvSpPr>
+          <p:cNvPr id="4" name="Oval 3"/>
+          <p:cNvSpPr/>
+          <p:nvPr/>
+        </p:nvSpPr>
+        <p:spPr>
+          <a:xfrm>
+            <a:off x="2019300" y="2489200"/>
+            <a:ext cx="133350" cy="133350"/>
+          </a:xfrm>
+          <a:prstGeom prst="ellipse">
+            <a:avLst/>
+          </a:prstGeom>
+          <a:solidFill>
+            <a:schemeClr val="accent6">
+              <a:lumMod val="20000"/>
+              <a:lumOff val="80000"/>
+            </a:schemeClr>
+          </a:solidFill>
+          <a:ln>
+            <a:noFill/>
+          </a:ln>
+          <a:effectLst>
+            <a:glow rad="139700">
+              <a:schemeClr val="accent6">
+                <a:satMod val="175000"/>
+                <a:alpha val="40000"/>
+              </a:schemeClr>
+            </a:glow>
+          </a:effectLst>
+        </p:spPr>
+        <p:style>
+          <a:lnRef idx="2">
+            <a:schemeClr val="accent1">
+              <a:shade val="50000"/>
+            </a:schemeClr>
+          </a:lnRef>
+          <a:fillRef idx="1">
+            <a:schemeClr val="accent1"/>
+          </a:fillRef>
+          <a:effectRef idx="0">
+            <a:schemeClr val="accent1"/>
+          </a:effectRef>
+          <a:fontRef idx="minor">
+            <a:schemeClr val="lt1"/>
+          </a:fontRef>
+        </p:style>
+        <p:txBody>
+          <a:bodyPr rtlCol="0" anchor="ctr"/>
+          <a:lstStyle/>
+          <a:p>
+            <a:pPr algn="ctr"/>
+            <a:endParaRPr lang="en-US"/>
+          </a:p>
+        </p:txBody>
+      </p:sp>
+      <p:sp>
+        <p:nvSpPr>
+          <p:cNvPr id="5" name="Oval 4"/>
+          <p:cNvSpPr/>
+          <p:nvPr/>
+        </p:nvSpPr>
+        <p:spPr>
+          <a:xfrm>
+            <a:off x="3561539" y="5071682"/>
+            <a:ext cx="133350" cy="133350"/>
+          </a:xfrm>
+          <a:prstGeom prst="ellipse">
+            <a:avLst/>
+          </a:prstGeom>
+          <a:solidFill>
+            <a:schemeClr val="accent6">
+              <a:lumMod val="20000"/>
+              <a:lumOff val="80000"/>
+            </a:schemeClr>
+          </a:solidFill>
+          <a:ln>
+            <a:noFill/>
+          </a:ln>
+          <a:effectLst>
+            <a:glow rad="139700">
+              <a:schemeClr val="accent6">
+                <a:satMod val="175000"/>
+                <a:alpha val="40000"/>
+              </a:schemeClr>
+            </a:glow>
+          </a:effectLst>
+        </p:spPr>
+        <p:style>
+          <a:lnRef idx="2">
+            <a:schemeClr val="accent1">
+              <a:shade val="50000"/>
+            </a:schemeClr>
+          </a:lnRef>
+          <a:fillRef idx="1">
+            <a:schemeClr val="accent1"/>
+          </a:fillRef>
+          <a:effectRef idx="0">
+            <a:schemeClr val="accent1"/>
+          </a:effectRef>
+          <a:fontRef idx="minor">
+            <a:schemeClr val="lt1"/>
+          </a:fontRef>
+        </p:style>
+        <p:txBody>
+          <a:bodyPr rtlCol="0" anchor="ctr"/>
+          <a:lstStyle/>
+          <a:p>
+            <a:pPr algn="ctr"/>
+            <a:endParaRPr lang="en-US"/>
+          </a:p>
+        </p:txBody>
+      </p:sp>
+      <p:sp>
+        <p:nvSpPr>
+          <p:cNvPr id="6" name="TextBox 5"/>
+          <p:cNvSpPr txBox="1"/>
+          <p:nvPr/>
+        </p:nvSpPr>
+        <p:spPr>
+          <a:xfrm>
+            <a:off x="2407919" y="2371209"/>
+            <a:ext cx="1911357" cy="369332"/>
+          </a:xfrm>
+          <a:prstGeom prst="rect">
+            <a:avLst/>
+          </a:prstGeom>
+          <a:noFill/>
+        </p:spPr>
+        <p:txBody>
+          <a:bodyPr wrap="none" rtlCol="0">
+            <a:spAutoFit/>
+          </a:bodyPr>
+          <a:lstStyle/>
+          <a:p>
+            <a:r>
+              <a:rPr lang="en-US" dirty="0"/>
+              <a:t>Expanded data set</a:t>
+            </a:r>
+          </a:p>
+        </p:txBody>
+      </p:sp>
+      <p:sp>
+        <p:nvSpPr>
+          <p:cNvPr id="7" name="TextBox 6"/>
+          <p:cNvSpPr txBox="1"/>
+          <p:nvPr/>
+        </p:nvSpPr>
+        <p:spPr>
+          <a:xfrm>
+            <a:off x="3985084" y="4953691"/>
+            <a:ext cx="1302151" cy="369332"/>
+          </a:xfrm>
+          <a:prstGeom prst="rect">
+            <a:avLst/>
+          </a:prstGeom>
+          <a:noFill/>
+        </p:spPr>
+        <p:txBody>
+          <a:bodyPr wrap="none" rtlCol="0">
+            <a:spAutoFit/>
+          </a:bodyPr>
+          <a:lstStyle/>
+          <a:p>
+            <a:r>
+              <a:rPr lang="en-US" dirty="0"/>
+              <a:t>Validate API</a:t>
+            </a:r>
+          </a:p>
+        </p:txBody>
+      </p:sp>
+      <p:sp>
+        <p:nvSpPr>
+          <p:cNvPr id="8" name="Oval 7"/>
+          <p:cNvSpPr/>
+          <p:nvPr/>
+        </p:nvSpPr>
+        <p:spPr>
+          <a:xfrm>
+            <a:off x="4358465" y="6194997"/>
+            <a:ext cx="133350" cy="133350"/>
+          </a:xfrm>
+          <a:prstGeom prst="ellipse">
+            <a:avLst/>
+          </a:prstGeom>
+          <a:solidFill>
+            <a:schemeClr val="accent6">
+              <a:lumMod val="20000"/>
+              <a:lumOff val="80000"/>
+            </a:schemeClr>
+          </a:solidFill>
+          <a:ln>
+            <a:noFill/>
+          </a:ln>
+          <a:effectLst>
+            <a:glow rad="139700">
+              <a:schemeClr val="accent6">
+                <a:satMod val="175000"/>
+                <a:alpha val="40000"/>
+              </a:schemeClr>
+            </a:glow>
+          </a:effectLst>
+        </p:spPr>
+        <p:style>
+          <a:lnRef idx="2">
+            <a:schemeClr val="accent1">
+              <a:shade val="50000"/>
+            </a:schemeClr>
+          </a:lnRef>
+          <a:fillRef idx="1">
+            <a:schemeClr val="accent1"/>
+          </a:fillRef>
+          <a:effectRef idx="0">
+            <a:schemeClr val="accent1"/>
+          </a:effectRef>
+          <a:fontRef idx="minor">
+            <a:schemeClr val="lt1"/>
+          </a:fontRef>
+        </p:style>
+        <p:txBody>
+          <a:bodyPr rtlCol="0" anchor="ctr"/>
+          <a:lstStyle/>
+          <a:p>
+            <a:pPr algn="ctr"/>
+            <a:endParaRPr lang="en-US"/>
+          </a:p>
+        </p:txBody>
+      </p:sp>
+      <p:sp>
+        <p:nvSpPr>
+          <p:cNvPr id="9" name="TextBox 8"/>
+          <p:cNvSpPr txBox="1"/>
+          <p:nvPr/>
+        </p:nvSpPr>
+        <p:spPr>
+          <a:xfrm>
+            <a:off x="4782010" y="6077006"/>
+            <a:ext cx="1270412" cy="369332"/>
+          </a:xfrm>
+          <a:prstGeom prst="rect">
+            <a:avLst/>
+          </a:prstGeom>
+          <a:noFill/>
+        </p:spPr>
+        <p:txBody>
+          <a:bodyPr wrap="none" rtlCol="0">
+            <a:spAutoFit/>
+          </a:bodyPr>
+          <a:lstStyle/>
+          <a:p>
+            <a:r>
+              <a:rPr lang="en-US" dirty="0"/>
+              <a:t>Logging API</a:t>
+            </a:r>
+          </a:p>
+        </p:txBody>
+      </p:sp>
+      <p:sp>
+        <p:nvSpPr>
+          <p:cNvPr id="10" name="Oval 9"/>
+          <p:cNvSpPr/>
+          <p:nvPr/>
+        </p:nvSpPr>
+        <p:spPr>
+          <a:xfrm>
+            <a:off x="2482647" y="3091934"/>
+            <a:ext cx="133350" cy="133350"/>
+          </a:xfrm>
+          <a:prstGeom prst="ellipse">
+            <a:avLst/>
+          </a:prstGeom>
+          <a:solidFill>
+            <a:schemeClr val="accent6">
+              <a:lumMod val="20000"/>
+              <a:lumOff val="80000"/>
+            </a:schemeClr>
+          </a:solidFill>
+          <a:ln>
+            <a:noFill/>
+          </a:ln>
+          <a:effectLst>
+            <a:glow rad="139700">
+              <a:schemeClr val="accent6">
+                <a:satMod val="175000"/>
+                <a:alpha val="40000"/>
+              </a:schemeClr>
+            </a:glow>
+          </a:effectLst>
+        </p:spPr>
+        <p:style>
+          <a:lnRef idx="2">
+            <a:schemeClr val="accent1">
+              <a:shade val="50000"/>
+            </a:schemeClr>
+          </a:lnRef>
+          <a:fillRef idx="1">
+            <a:schemeClr val="accent1"/>
+          </a:fillRef>
+          <a:effectRef idx="0">
+            <a:schemeClr val="accent1"/>
+          </a:effectRef>
+          <a:fontRef idx="minor">
+            <a:schemeClr val="lt1"/>
+          </a:fontRef>
+        </p:style>
+        <p:txBody>
+          <a:bodyPr rtlCol="0" anchor="ctr"/>
+          <a:lstStyle/>
+          <a:p>
+            <a:pPr algn="ctr"/>
+            <a:endParaRPr lang="en-US"/>
+          </a:p>
+        </p:txBody>
+      </p:sp>
+      <p:sp>
+        <p:nvSpPr>
+          <p:cNvPr id="11" name="TextBox 10"/>
+          <p:cNvSpPr txBox="1"/>
+          <p:nvPr/>
+        </p:nvSpPr>
+        <p:spPr>
+          <a:xfrm>
+            <a:off x="2906192" y="2973943"/>
+            <a:ext cx="1752788" cy="369332"/>
+          </a:xfrm>
+          <a:prstGeom prst="rect">
+            <a:avLst/>
+          </a:prstGeom>
+          <a:noFill/>
+        </p:spPr>
+        <p:txBody>
+          <a:bodyPr wrap="none" rtlCol="0">
+            <a:spAutoFit/>
+          </a:bodyPr>
+          <a:lstStyle/>
+          <a:p>
+            <a:r>
+              <a:rPr lang="en-US" dirty="0"/>
+              <a:t>Logging matches</a:t>
+            </a:r>
+          </a:p>
+        </p:txBody>
+      </p:sp>
+      <p:sp>
+        <p:nvSpPr>
+          <p:cNvPr id="12" name="Oval 11"/>
+          <p:cNvSpPr/>
+          <p:nvPr/>
+        </p:nvSpPr>
+        <p:spPr>
+          <a:xfrm>
+            <a:off x="3031106" y="4476449"/>
+            <a:ext cx="133350" cy="133350"/>
+          </a:xfrm>
+          <a:prstGeom prst="ellipse">
+            <a:avLst/>
+          </a:prstGeom>
+          <a:solidFill>
+            <a:schemeClr val="accent6">
+              <a:lumMod val="20000"/>
+              <a:lumOff val="80000"/>
+            </a:schemeClr>
+          </a:solidFill>
+          <a:ln>
+            <a:noFill/>
+          </a:ln>
+          <a:effectLst>
+            <a:glow rad="139700">
+              <a:schemeClr val="accent6">
+                <a:satMod val="175000"/>
+                <a:alpha val="40000"/>
+              </a:schemeClr>
+            </a:glow>
+          </a:effectLst>
+        </p:spPr>
+        <p:style>
+          <a:lnRef idx="2">
+            <a:schemeClr val="accent1">
+              <a:shade val="50000"/>
+            </a:schemeClr>
+          </a:lnRef>
+          <a:fillRef idx="1">
+            <a:schemeClr val="accent1"/>
+          </a:fillRef>
+          <a:effectRef idx="0">
+            <a:schemeClr val="accent1"/>
+          </a:effectRef>
+          <a:fontRef idx="minor">
+            <a:schemeClr val="lt1"/>
+          </a:fontRef>
+        </p:style>
+        <p:txBody>
+          <a:bodyPr rtlCol="0" anchor="ctr"/>
+          <a:lstStyle/>
+          <a:p>
+            <a:pPr algn="ctr"/>
+            <a:endParaRPr lang="en-US"/>
+          </a:p>
+        </p:txBody>
+      </p:sp>
+      <p:sp>
+        <p:nvSpPr>
+          <p:cNvPr id="13" name="TextBox 12"/>
+          <p:cNvSpPr txBox="1"/>
+          <p:nvPr/>
+        </p:nvSpPr>
+        <p:spPr>
+          <a:xfrm>
+            <a:off x="3454651" y="4358458"/>
+            <a:ext cx="1553630" cy="369332"/>
+          </a:xfrm>
+          <a:prstGeom prst="rect">
+            <a:avLst/>
+          </a:prstGeom>
+          <a:noFill/>
+        </p:spPr>
+        <p:txBody>
+          <a:bodyPr wrap="none" rtlCol="0">
+            <a:spAutoFit/>
+          </a:bodyPr>
+          <a:lstStyle/>
+          <a:p>
+            <a:r>
+              <a:rPr lang="en-US" dirty="0"/>
+              <a:t>Node modules</a:t>
+            </a:r>
+          </a:p>
+        </p:txBody>
+      </p:sp>
+      <p:sp>
+        <p:nvSpPr>
+          <p:cNvPr id="14" name="Oval 13"/>
+          <p:cNvSpPr/>
+          <p:nvPr/>
+        </p:nvSpPr>
+        <p:spPr>
+          <a:xfrm>
+            <a:off x="4002235" y="5646357"/>
+            <a:ext cx="133350" cy="133350"/>
+          </a:xfrm>
+          <a:prstGeom prst="ellipse">
+            <a:avLst/>
+          </a:prstGeom>
+          <a:solidFill>
+            <a:schemeClr val="accent6">
+              <a:lumMod val="20000"/>
+              <a:lumOff val="80000"/>
+            </a:schemeClr>
+          </a:solidFill>
+          <a:ln>
+            <a:noFill/>
+          </a:ln>
+          <a:effectLst>
+            <a:glow rad="139700">
+              <a:schemeClr val="accent6">
+                <a:satMod val="175000"/>
+                <a:alpha val="40000"/>
+              </a:schemeClr>
+            </a:glow>
+          </a:effectLst>
+        </p:spPr>
+        <p:style>
+          <a:lnRef idx="2">
+            <a:schemeClr val="accent1">
+              <a:shade val="50000"/>
+            </a:schemeClr>
+          </a:lnRef>
+          <a:fillRef idx="1">
+            <a:schemeClr val="accent1"/>
+          </a:fillRef>
+          <a:effectRef idx="0">
+            <a:schemeClr val="accent1"/>
+          </a:effectRef>
+          <a:fontRef idx="minor">
+            <a:schemeClr val="lt1"/>
+          </a:fontRef>
+        </p:style>
+        <p:txBody>
+          <a:bodyPr rtlCol="0" anchor="ctr"/>
+          <a:lstStyle/>
+          <a:p>
+            <a:pPr algn="ctr"/>
+            <a:endParaRPr lang="en-US"/>
+          </a:p>
+        </p:txBody>
+      </p:sp>
+      <p:sp>
+        <p:nvSpPr>
+          <p:cNvPr id="15" name="TextBox 14"/>
+          <p:cNvSpPr txBox="1"/>
+          <p:nvPr/>
+        </p:nvSpPr>
+        <p:spPr>
+          <a:xfrm>
+            <a:off x="4425780" y="5528366"/>
+            <a:ext cx="1505990" cy="369332"/>
+          </a:xfrm>
+          <a:prstGeom prst="rect">
+            <a:avLst/>
+          </a:prstGeom>
+          <a:noFill/>
+        </p:spPr>
+        <p:txBody>
+          <a:bodyPr wrap="none" rtlCol="0">
+            <a:spAutoFit/>
+          </a:bodyPr>
+          <a:lstStyle/>
+          <a:p>
+            <a:r>
+              <a:rPr lang="en-US" dirty="0"/>
+              <a:t>Normalization</a:t>
+            </a:r>
+          </a:p>
+        </p:txBody>
+      </p:sp>
+      <p:sp>
+        <p:nvSpPr>
+          <p:cNvPr id="16" name="Oval 15"/>
+          <p:cNvSpPr/>
+          <p:nvPr/>
+        </p:nvSpPr>
+        <p:spPr>
+          <a:xfrm>
+            <a:off x="6777997" y="5315192"/>
+            <a:ext cx="133350" cy="133350"/>
+          </a:xfrm>
+          <a:prstGeom prst="ellipse">
+            <a:avLst/>
+          </a:prstGeom>
+          <a:solidFill>
+            <a:schemeClr val="accent6">
+              <a:lumMod val="20000"/>
+              <a:lumOff val="80000"/>
+            </a:schemeClr>
+          </a:solidFill>
+          <a:ln>
+            <a:noFill/>
+          </a:ln>
+          <a:effectLst>
+            <a:glow rad="139700">
+              <a:schemeClr val="accent6">
+                <a:satMod val="175000"/>
+                <a:alpha val="40000"/>
+              </a:schemeClr>
+            </a:glow>
+          </a:effectLst>
+        </p:spPr>
+        <p:style>
+          <a:lnRef idx="2">
+            <a:schemeClr val="accent1">
+              <a:shade val="50000"/>
+            </a:schemeClr>
+          </a:lnRef>
+          <a:fillRef idx="1">
+            <a:schemeClr val="accent1"/>
+          </a:fillRef>
+          <a:effectRef idx="0">
+            <a:schemeClr val="accent1"/>
+          </a:effectRef>
+          <a:fontRef idx="minor">
+            <a:schemeClr val="lt1"/>
+          </a:fontRef>
+        </p:style>
+        <p:txBody>
+          <a:bodyPr rtlCol="0" anchor="ctr"/>
+          <a:lstStyle/>
+          <a:p>
+            <a:pPr algn="ctr"/>
+            <a:endParaRPr lang="en-US"/>
+          </a:p>
+        </p:txBody>
+      </p:sp>
+      <p:sp>
+        <p:nvSpPr>
+          <p:cNvPr id="17" name="TextBox 16"/>
+          <p:cNvSpPr txBox="1"/>
+          <p:nvPr/>
+        </p:nvSpPr>
+        <p:spPr>
+          <a:xfrm>
+            <a:off x="7201542" y="5197201"/>
+            <a:ext cx="2545312" cy="369332"/>
+          </a:xfrm>
+          <a:prstGeom prst="rect">
+            <a:avLst/>
+          </a:prstGeom>
+          <a:noFill/>
+        </p:spPr>
+        <p:txBody>
+          <a:bodyPr wrap="none" rtlCol="0">
+            <a:spAutoFit/>
+          </a:bodyPr>
+          <a:lstStyle/>
+          <a:p>
+            <a:r>
+              <a:rPr lang="en-US" dirty="0"/>
+              <a:t>Fixing one type of format</a:t>
+            </a:r>
+          </a:p>
+        </p:txBody>
+      </p:sp>
+      <p:sp>
+        <p:nvSpPr>
+          <p:cNvPr id="18" name="Oval 17"/>
+          <p:cNvSpPr/>
+          <p:nvPr/>
+        </p:nvSpPr>
+        <p:spPr>
+          <a:xfrm>
+            <a:off x="7304236" y="4793669"/>
+            <a:ext cx="133350" cy="133350"/>
+          </a:xfrm>
+          <a:prstGeom prst="ellipse">
+            <a:avLst/>
+          </a:prstGeom>
+          <a:solidFill>
+            <a:schemeClr val="accent6">
+              <a:lumMod val="20000"/>
+              <a:lumOff val="80000"/>
+            </a:schemeClr>
+          </a:solidFill>
+          <a:ln>
+            <a:noFill/>
+          </a:ln>
+          <a:effectLst>
+            <a:glow rad="139700">
+              <a:schemeClr val="accent6">
+                <a:satMod val="175000"/>
+                <a:alpha val="40000"/>
+              </a:schemeClr>
+            </a:glow>
+          </a:effectLst>
+        </p:spPr>
+        <p:style>
+          <a:lnRef idx="2">
+            <a:schemeClr val="accent1">
+              <a:shade val="50000"/>
+            </a:schemeClr>
+          </a:lnRef>
+          <a:fillRef idx="1">
+            <a:schemeClr val="accent1"/>
+          </a:fillRef>
+          <a:effectRef idx="0">
+            <a:schemeClr val="accent1"/>
+          </a:effectRef>
+          <a:fontRef idx="minor">
+            <a:schemeClr val="lt1"/>
+          </a:fontRef>
+        </p:style>
+        <p:txBody>
+          <a:bodyPr rtlCol="0" anchor="ctr"/>
+          <a:lstStyle/>
+          <a:p>
+            <a:pPr algn="ctr"/>
+            <a:endParaRPr lang="en-US"/>
+          </a:p>
+        </p:txBody>
+      </p:sp>
+      <p:sp>
+        <p:nvSpPr>
+          <p:cNvPr id="19" name="TextBox 18"/>
+          <p:cNvSpPr txBox="1"/>
+          <p:nvPr/>
+        </p:nvSpPr>
+        <p:spPr>
+          <a:xfrm>
+            <a:off x="7727781" y="4675678"/>
+            <a:ext cx="1527982" cy="369332"/>
+          </a:xfrm>
+          <a:prstGeom prst="rect">
+            <a:avLst/>
+          </a:prstGeom>
+          <a:noFill/>
+        </p:spPr>
+        <p:txBody>
+          <a:bodyPr wrap="none" rtlCol="0">
+            <a:spAutoFit/>
+          </a:bodyPr>
+          <a:lstStyle/>
+          <a:p>
+            <a:r>
+              <a:rPr lang="en-US" dirty="0"/>
+              <a:t>Fixing another</a:t>
+            </a:r>
+          </a:p>
+        </p:txBody>
+      </p:sp>
+      <p:sp>
+        <p:nvSpPr>
+          <p:cNvPr id="20" name="Oval 19"/>
+          <p:cNvSpPr/>
+          <p:nvPr/>
+        </p:nvSpPr>
+        <p:spPr>
+          <a:xfrm>
+            <a:off x="7727781" y="4286066"/>
+            <a:ext cx="133350" cy="133350"/>
+          </a:xfrm>
+          <a:prstGeom prst="ellipse">
+            <a:avLst/>
+          </a:prstGeom>
+          <a:solidFill>
+            <a:schemeClr val="accent6">
+              <a:lumMod val="20000"/>
+              <a:lumOff val="80000"/>
+            </a:schemeClr>
+          </a:solidFill>
+          <a:ln>
+            <a:noFill/>
+          </a:ln>
+          <a:effectLst>
+            <a:glow rad="139700">
+              <a:schemeClr val="accent6">
+                <a:satMod val="175000"/>
+                <a:alpha val="40000"/>
+              </a:schemeClr>
+            </a:glow>
+          </a:effectLst>
+        </p:spPr>
+        <p:style>
+          <a:lnRef idx="2">
+            <a:schemeClr val="accent1">
+              <a:shade val="50000"/>
+            </a:schemeClr>
+          </a:lnRef>
+          <a:fillRef idx="1">
+            <a:schemeClr val="accent1"/>
+          </a:fillRef>
+          <a:effectRef idx="0">
+            <a:schemeClr val="accent1"/>
+          </a:effectRef>
+          <a:fontRef idx="minor">
+            <a:schemeClr val="lt1"/>
+          </a:fontRef>
+        </p:style>
+        <p:txBody>
+          <a:bodyPr rtlCol="0" anchor="ctr"/>
+          <a:lstStyle/>
+          <a:p>
+            <a:pPr algn="ctr"/>
+            <a:endParaRPr lang="en-US"/>
+          </a:p>
+        </p:txBody>
+      </p:sp>
+      <p:sp>
+        <p:nvSpPr>
+          <p:cNvPr id="21" name="TextBox 20"/>
+          <p:cNvSpPr txBox="1"/>
+          <p:nvPr/>
+        </p:nvSpPr>
+        <p:spPr>
+          <a:xfrm>
+            <a:off x="8151326" y="4168075"/>
+            <a:ext cx="3772508" cy="369332"/>
+          </a:xfrm>
+          <a:prstGeom prst="rect">
+            <a:avLst/>
+          </a:prstGeom>
+          <a:noFill/>
+        </p:spPr>
+        <p:txBody>
+          <a:bodyPr wrap="none" rtlCol="0">
+            <a:spAutoFit/>
+          </a:bodyPr>
+          <a:lstStyle/>
+          <a:p>
+            <a:r>
+              <a:rPr lang="en-US" dirty="0"/>
+              <a:t>Writing remediation </a:t>
+            </a:r>
+            <a:r>
+              <a:rPr lang="en-US" dirty="0" err="1"/>
+              <a:t>msg</a:t>
+            </a:r>
+            <a:r>
+              <a:rPr lang="en-US" dirty="0"/>
+              <a:t> to input user</a:t>
+            </a:r>
+          </a:p>
+        </p:txBody>
+      </p:sp>
+      <p:sp>
+        <p:nvSpPr>
+          <p:cNvPr id="22" name="Oval 21"/>
+          <p:cNvSpPr/>
+          <p:nvPr/>
+        </p:nvSpPr>
+        <p:spPr>
+          <a:xfrm>
+            <a:off x="2835646" y="3640574"/>
+            <a:ext cx="133350" cy="133350"/>
+          </a:xfrm>
+          <a:prstGeom prst="ellipse">
+            <a:avLst/>
+          </a:prstGeom>
+          <a:solidFill>
+            <a:schemeClr val="accent6">
+              <a:lumMod val="20000"/>
+              <a:lumOff val="80000"/>
+            </a:schemeClr>
+          </a:solidFill>
+          <a:ln>
+            <a:noFill/>
+          </a:ln>
+          <a:effectLst>
+            <a:glow rad="139700">
+              <a:schemeClr val="accent6">
+                <a:satMod val="175000"/>
+                <a:alpha val="40000"/>
+              </a:schemeClr>
+            </a:glow>
+          </a:effectLst>
+        </p:spPr>
+        <p:style>
+          <a:lnRef idx="2">
+            <a:schemeClr val="accent1">
+              <a:shade val="50000"/>
+            </a:schemeClr>
+          </a:lnRef>
+          <a:fillRef idx="1">
+            <a:schemeClr val="accent1"/>
+          </a:fillRef>
+          <a:effectRef idx="0">
+            <a:schemeClr val="accent1"/>
+          </a:effectRef>
+          <a:fontRef idx="minor">
+            <a:schemeClr val="lt1"/>
+          </a:fontRef>
+        </p:style>
+        <p:txBody>
+          <a:bodyPr rtlCol="0" anchor="ctr"/>
+          <a:lstStyle/>
+          <a:p>
+            <a:pPr algn="ctr"/>
+            <a:endParaRPr lang="en-US"/>
+          </a:p>
+        </p:txBody>
+      </p:sp>
+      <p:sp>
+        <p:nvSpPr>
+          <p:cNvPr id="23" name="TextBox 22"/>
+          <p:cNvSpPr txBox="1"/>
+          <p:nvPr/>
+        </p:nvSpPr>
+        <p:spPr>
+          <a:xfrm>
+            <a:off x="3259191" y="3522583"/>
+            <a:ext cx="1653209" cy="369332"/>
+          </a:xfrm>
+          <a:prstGeom prst="rect">
+            <a:avLst/>
+          </a:prstGeom>
+          <a:noFill/>
+        </p:spPr>
+        <p:txBody>
+          <a:bodyPr wrap="none" rtlCol="0">
+            <a:spAutoFit/>
+          </a:bodyPr>
+          <a:lstStyle/>
+          <a:p>
+            <a:r>
+              <a:rPr lang="en-US" dirty="0"/>
+              <a:t>writing a report</a:t>
+            </a:r>
+          </a:p>
+        </p:txBody>
+      </p:sp>
+      <p:sp>
+        <p:nvSpPr>
+          <p:cNvPr id="3" name="TextBox 2"/>
+          <p:cNvSpPr txBox="1"/>
+          <p:nvPr/>
+        </p:nvSpPr>
+        <p:spPr>
+          <a:xfrm>
+            <a:off x="2435461" y="5541063"/>
+            <a:ext cx="1530291" cy="369332"/>
+          </a:xfrm>
+          <a:prstGeom prst="rect">
+            <a:avLst/>
+          </a:prstGeom>
+          <a:noFill/>
+        </p:spPr>
+        <p:txBody>
+          <a:bodyPr wrap="none" rtlCol="0">
+            <a:spAutoFit/>
+          </a:bodyPr>
+          <a:lstStyle/>
+          <a:p>
+            <a:r>
+              <a:rPr lang="en-US" b="1" dirty="0">
+                <a:solidFill>
+                  <a:srgbClr val="FF0000"/>
+                </a:solidFill>
+              </a:rPr>
+              <a:t>Defer this one</a:t>
+            </a:r>
+          </a:p>
+        </p:txBody>
+      </p:sp>
+      <p:sp>
+        <p:nvSpPr>
+          <p:cNvPr id="24" name="TextBox 23"/>
+          <p:cNvSpPr txBox="1"/>
+          <p:nvPr/>
+        </p:nvSpPr>
+        <p:spPr>
+          <a:xfrm>
+            <a:off x="1355717" y="4402531"/>
+            <a:ext cx="1530291" cy="369332"/>
+          </a:xfrm>
+          <a:prstGeom prst="rect">
+            <a:avLst/>
+          </a:prstGeom>
+          <a:noFill/>
+        </p:spPr>
+        <p:txBody>
+          <a:bodyPr wrap="none" rtlCol="0">
+            <a:spAutoFit/>
+          </a:bodyPr>
+          <a:lstStyle/>
+          <a:p>
+            <a:r>
+              <a:rPr lang="en-US" b="1" dirty="0">
+                <a:solidFill>
+                  <a:srgbClr val="FF0000"/>
+                </a:solidFill>
+              </a:rPr>
+              <a:t>Defer this one</a:t>
+            </a:r>
+          </a:p>
+        </p:txBody>
+      </p:sp>
+      <p:sp>
+        <p:nvSpPr>
+          <p:cNvPr id="25" name="TextBox 24"/>
+          <p:cNvSpPr txBox="1"/>
+          <p:nvPr/>
+        </p:nvSpPr>
+        <p:spPr>
+          <a:xfrm>
+            <a:off x="1784176" y="5012535"/>
+            <a:ext cx="1530291" cy="369332"/>
+          </a:xfrm>
+          <a:prstGeom prst="rect">
+            <a:avLst/>
+          </a:prstGeom>
+          <a:noFill/>
+        </p:spPr>
+        <p:txBody>
+          <a:bodyPr wrap="none" rtlCol="0">
+            <a:spAutoFit/>
+          </a:bodyPr>
+          <a:lstStyle/>
+          <a:p>
+            <a:r>
+              <a:rPr lang="en-US" b="1" dirty="0">
+                <a:solidFill>
+                  <a:srgbClr val="FF0000"/>
+                </a:solidFill>
+              </a:rPr>
+              <a:t>Defer this one</a:t>
+            </a:r>
+          </a:p>
+        </p:txBody>
+      </p:sp>
+      <p:sp>
+        <p:nvSpPr>
+          <p:cNvPr id="26" name="TextBox 25"/>
+          <p:cNvSpPr txBox="1"/>
+          <p:nvPr/>
+        </p:nvSpPr>
+        <p:spPr>
+          <a:xfrm>
+            <a:off x="2533040" y="6027718"/>
+            <a:ext cx="1530291" cy="369332"/>
+          </a:xfrm>
+          <a:prstGeom prst="rect">
+            <a:avLst/>
+          </a:prstGeom>
+          <a:noFill/>
+        </p:spPr>
+        <p:txBody>
+          <a:bodyPr wrap="none" rtlCol="0">
+            <a:spAutoFit/>
+          </a:bodyPr>
+          <a:lstStyle/>
+          <a:p>
+            <a:r>
+              <a:rPr lang="en-US" b="1" dirty="0">
+                <a:solidFill>
+                  <a:srgbClr val="FF0000"/>
+                </a:solidFill>
+              </a:rPr>
+              <a:t>Defer this one</a:t>
+            </a:r>
+          </a:p>
+        </p:txBody>
+      </p:sp>
+    </p:spTree>
+    <p:extLst>
+      <p:ext uri="{BB962C8B-B14F-4D97-AF65-F5344CB8AC3E}">
+        <p14:creationId xmlns:p14="http://schemas.microsoft.com/office/powerpoint/2010/main" val="3873495932"/>
+      </p:ext>
+    </p:extLst>
+  </p:cSld>
+  <p:clrMapOvr>
+    <a:masterClrMapping/>
+  </p:clrMapOvr>
+</p:sld>
+</file>
+
+<file path=ppt/slides/slide3.xml><?xml version="1.0" encoding="utf-8"?>
+<p:sld xmlns:a="http://schemas.openxmlformats.org/drawingml/2006/main" xmlns:r="http://schemas.openxmlformats.org/officeDocument/2006/relationships" xmlns:p="http://schemas.openxmlformats.org/presentationml/2006/main">
+  <p:cSld>
+    <p:spTree>
+      <p:nvGrpSpPr>
+        <p:cNvPr id="1" name=""/>
+        <p:cNvGrpSpPr/>
+        <p:nvPr/>
+      </p:nvGrpSpPr>
+      <p:grpSpPr>
+        <a:xfrm>
+          <a:off x="0" y="0"/>
+          <a:ext cx="0" cy="0"/>
+          <a:chOff x="0" y="0"/>
+          <a:chExt cx="0" cy="0"/>
+        </a:xfrm>
+      </p:grpSpPr>
+      <p:sp>
+        <p:nvSpPr>
+          <p:cNvPr id="2" name="Title 1"/>
+          <p:cNvSpPr>
+            <a:spLocks noGrp="1"/>
+          </p:cNvSpPr>
+          <p:nvPr>
+            <p:ph type="title"/>
+          </p:nvPr>
+        </p:nvSpPr>
+        <p:spPr/>
+        <p:txBody>
+          <a:bodyPr/>
+          <a:lstStyle/>
+          <a:p>
             <a:r>
               <a:rPr lang="en-US" dirty="0"/>
               <a:t>c2listing1</a:t>
@@ -6820,7 +8209,7 @@
 </p:sld>
 </file>
 
-<file path=ppt/slides/slide3.xml><?xml version="1.0" encoding="utf-8"?>
+<file path=ppt/slides/slide4.xml><?xml version="1.0" encoding="utf-8"?>
 <p:sld xmlns:a="http://schemas.openxmlformats.org/drawingml/2006/main" xmlns:r="http://schemas.openxmlformats.org/officeDocument/2006/relationships" xmlns:p="http://schemas.openxmlformats.org/presentationml/2006/main">
   <p:cSld>
     <p:spTree>
@@ -7205,7 +8594,7 @@
 </p:sld>
 </file>
 
-<file path=ppt/slides/slide4.xml><?xml version="1.0" encoding="utf-8"?>
+<file path=ppt/slides/slide5.xml><?xml version="1.0" encoding="utf-8"?>
 <p:sld xmlns:a="http://schemas.openxmlformats.org/drawingml/2006/main" xmlns:r="http://schemas.openxmlformats.org/officeDocument/2006/relationships" xmlns:p="http://schemas.openxmlformats.org/presentationml/2006/main">
   <p:cSld>
     <p:spTree>
@@ -7307,60 +8696,6 @@
       <p:pic>
         <p:nvPicPr>
           <p:cNvPr id="1027" name="Picture 3"/>
-          <p:cNvPicPr>
-            <a:picLocks noChangeAspect="1" noChangeArrowheads="1"/>
-          </p:cNvPicPr>
-          <p:nvPr/>
-        </p:nvPicPr>
-        <p:blipFill>
-          <a:blip r:embed="rId2">
-            <a:extLst>
-              <a:ext uri="{28A0092B-C50C-407E-A947-70E740481C1C}">
-                <a14:useLocalDpi xmlns:a14="http://schemas.microsoft.com/office/drawing/2010/main" val="0"/>
-              </a:ext>
-            </a:extLst>
-          </a:blip>
-          <a:srcRect/>
-          <a:stretch>
-            <a:fillRect/>
-          </a:stretch>
-        </p:blipFill>
-        <p:spPr bwMode="auto">
-          <a:xfrm>
-            <a:off x="4926076" y="643453"/>
-            <a:ext cx="6978060" cy="1747382"/>
-          </a:xfrm>
-          <a:prstGeom prst="rect">
-            <a:avLst/>
-          </a:prstGeom>
-          <a:noFill/>
-          <a:ln>
-            <a:noFill/>
-          </a:ln>
-          <a:extLst>
-            <a:ext uri="{909E8E84-426E-40DD-AFC4-6F175D3DCCD1}">
-              <a14:hiddenFill xmlns:a14="http://schemas.microsoft.com/office/drawing/2010/main">
-                <a:solidFill>
-                  <a:schemeClr val="accent1"/>
-                </a:solidFill>
-              </a14:hiddenFill>
-            </a:ext>
-            <a:ext uri="{91240B29-F687-4F45-9708-019B960494DF}">
-              <a14:hiddenLine xmlns:a14="http://schemas.microsoft.com/office/drawing/2010/main" w="9525">
-                <a:solidFill>
-                  <a:schemeClr val="tx1"/>
-                </a:solidFill>
-                <a:miter lim="800000"/>
-                <a:headEnd/>
-                <a:tailEnd/>
-              </a14:hiddenLine>
-            </a:ext>
-          </a:extLst>
-        </p:spPr>
-      </p:pic>
-      <p:pic>
-        <p:nvPicPr>
-          <p:cNvPr id="1028" name="Picture 4"/>
           <p:cNvPicPr>
             <a:picLocks noChangeAspect="1" noChangeArrowheads="1"/>
           </p:cNvPicPr>
@@ -7381,8 +8716,8 @@
         </p:blipFill>
         <p:spPr bwMode="auto">
           <a:xfrm>
-            <a:off x="280459" y="5341380"/>
-            <a:ext cx="4985516" cy="1274878"/>
+            <a:off x="4926076" y="643453"/>
+            <a:ext cx="6978060" cy="1747382"/>
           </a:xfrm>
           <a:prstGeom prst="rect">
             <a:avLst/>
@@ -7414,6 +8749,60 @@
       </p:pic>
       <p:pic>
         <p:nvPicPr>
+          <p:cNvPr id="1028" name="Picture 4"/>
+          <p:cNvPicPr>
+            <a:picLocks noChangeAspect="1" noChangeArrowheads="1"/>
+          </p:cNvPicPr>
+          <p:nvPr/>
+        </p:nvPicPr>
+        <p:blipFill>
+          <a:blip r:embed="rId4">
+            <a:extLst>
+              <a:ext uri="{28A0092B-C50C-407E-A947-70E740481C1C}">
+                <a14:useLocalDpi xmlns:a14="http://schemas.microsoft.com/office/drawing/2010/main" val="0"/>
+              </a:ext>
+            </a:extLst>
+          </a:blip>
+          <a:srcRect/>
+          <a:stretch>
+            <a:fillRect/>
+          </a:stretch>
+        </p:blipFill>
+        <p:spPr bwMode="auto">
+          <a:xfrm>
+            <a:off x="280459" y="5341380"/>
+            <a:ext cx="4985516" cy="1274878"/>
+          </a:xfrm>
+          <a:prstGeom prst="rect">
+            <a:avLst/>
+          </a:prstGeom>
+          <a:noFill/>
+          <a:ln>
+            <a:noFill/>
+          </a:ln>
+          <a:extLst>
+            <a:ext uri="{909E8E84-426E-40DD-AFC4-6F175D3DCCD1}">
+              <a14:hiddenFill xmlns:a14="http://schemas.microsoft.com/office/drawing/2010/main">
+                <a:solidFill>
+                  <a:schemeClr val="accent1"/>
+                </a:solidFill>
+              </a14:hiddenFill>
+            </a:ext>
+            <a:ext uri="{91240B29-F687-4F45-9708-019B960494DF}">
+              <a14:hiddenLine xmlns:a14="http://schemas.microsoft.com/office/drawing/2010/main" w="9525">
+                <a:solidFill>
+                  <a:schemeClr val="tx1"/>
+                </a:solidFill>
+                <a:miter lim="800000"/>
+                <a:headEnd/>
+                <a:tailEnd/>
+              </a14:hiddenLine>
+            </a:ext>
+          </a:extLst>
+        </p:spPr>
+      </p:pic>
+      <p:pic>
+        <p:nvPicPr>
           <p:cNvPr id="1029" name="Picture 5"/>
           <p:cNvPicPr>
             <a:picLocks noGrp="1" noChangeAspect="1" noChangeArrowheads="1"/>
@@ -7423,7 +8812,7 @@
           </p:nvPr>
         </p:nvPicPr>
         <p:blipFill rotWithShape="1">
-          <a:blip r:embed="rId4">
+          <a:blip r:embed="rId5">
             <a:extLst>
               <a:ext uri="{28A0092B-C50C-407E-A947-70E740481C1C}">
                 <a14:useLocalDpi xmlns:a14="http://schemas.microsoft.com/office/drawing/2010/main" val="0"/>
@@ -7475,7 +8864,7 @@
           <p:nvPr/>
         </p:nvPicPr>
         <p:blipFill>
-          <a:blip r:embed="rId5">
+          <a:blip r:embed="rId6">
             <a:extLst>
               <a:ext uri="{28A0092B-C50C-407E-A947-70E740481C1C}">
                 <a14:useLocalDpi xmlns:a14="http://schemas.microsoft.com/office/drawing/2010/main" val="0"/>
@@ -7932,101 +9321,6 @@
 </p:sld>
 </file>
 
-<file path=ppt/slides/slide5.xml><?xml version="1.0" encoding="utf-8"?>
-<p:sld xmlns:a="http://schemas.openxmlformats.org/drawingml/2006/main" xmlns:r="http://schemas.openxmlformats.org/officeDocument/2006/relationships" xmlns:p="http://schemas.openxmlformats.org/presentationml/2006/main">
-  <p:cSld>
-    <p:spTree>
-      <p:nvGrpSpPr>
-        <p:cNvPr id="1" name=""/>
-        <p:cNvGrpSpPr/>
-        <p:nvPr/>
-      </p:nvGrpSpPr>
-      <p:grpSpPr>
-        <a:xfrm>
-          <a:off x="0" y="0"/>
-          <a:ext cx="0" cy="0"/>
-          <a:chOff x="0" y="0"/>
-          <a:chExt cx="0" cy="0"/>
-        </a:xfrm>
-      </p:grpSpPr>
-      <p:sp>
-        <p:nvSpPr>
-          <p:cNvPr id="2" name="Title 1"/>
-          <p:cNvSpPr>
-            <a:spLocks noGrp="1"/>
-          </p:cNvSpPr>
-          <p:nvPr>
-            <p:ph type="title"/>
-          </p:nvPr>
-        </p:nvSpPr>
-        <p:spPr/>
-        <p:txBody>
-          <a:bodyPr/>
-          <a:lstStyle/>
-          <a:p>
-            <a:r>
-              <a:rPr lang="en-US" dirty="0"/>
-              <a:t>c2-listing2 checking our data and creating a log </a:t>
-            </a:r>
-          </a:p>
-        </p:txBody>
-      </p:sp>
-      <p:sp>
-        <p:nvSpPr>
-          <p:cNvPr id="3" name="Content Placeholder 2"/>
-          <p:cNvSpPr>
-            <a:spLocks noGrp="1"/>
-          </p:cNvSpPr>
-          <p:nvPr>
-            <p:ph idx="1"/>
-          </p:nvPr>
-        </p:nvSpPr>
-        <p:spPr/>
-        <p:txBody>
-          <a:bodyPr/>
-          <a:lstStyle/>
-          <a:p>
-            <a:endParaRPr lang="en-US"/>
-          </a:p>
-        </p:txBody>
-      </p:sp>
-      <p:pic>
-        <p:nvPicPr>
-          <p:cNvPr id="4" name="Picture 3"/>
-          <p:cNvPicPr>
-            <a:picLocks noChangeAspect="1"/>
-          </p:cNvPicPr>
-          <p:nvPr/>
-        </p:nvPicPr>
-        <p:blipFill>
-          <a:blip r:embed="rId2"/>
-          <a:stretch>
-            <a:fillRect/>
-          </a:stretch>
-        </p:blipFill>
-        <p:spPr>
-          <a:xfrm>
-            <a:off x="5867400" y="2345267"/>
-            <a:ext cx="5791200" cy="3914775"/>
-          </a:xfrm>
-          <a:prstGeom prst="rect">
-            <a:avLst/>
-          </a:prstGeom>
-        </p:spPr>
-      </p:pic>
-    </p:spTree>
-    <p:extLst>
-      <p:ext uri="{BB962C8B-B14F-4D97-AF65-F5344CB8AC3E}">
-        <p14:creationId xmlns:p14="http://schemas.microsoft.com/office/powerpoint/2010/main" val="4165010796"/>
-      </p:ext>
-    </p:extLst>
-  </p:cSld>
-  <p:clrMapOvr>
-    <a:masterClrMapping/>
-  </p:clrMapOvr>
-</p:sld>
-</file>
-
 <file path=ppt/slides/slide6.xml><?xml version="1.0" encoding="utf-8"?>
 <p:sld xmlns:a="http://schemas.openxmlformats.org/drawingml/2006/main" xmlns:r="http://schemas.openxmlformats.org/officeDocument/2006/relationships" xmlns:p="http://schemas.openxmlformats.org/presentationml/2006/main">
   <p:cSld>
@@ -8061,7 +9355,7 @@
           <a:p>
             <a:r>
               <a:rPr lang="en-US" dirty="0"/>
-              <a:t>c2-listing3 – naming the guilty</a:t>
+              <a:t>c2-listing2 checking our data and creating a log </a:t>
             </a:r>
           </a:p>
         </p:txBody>
@@ -8101,8 +9395,8 @@
         </p:blipFill>
         <p:spPr>
           <a:xfrm>
-            <a:off x="3435350" y="2363787"/>
-            <a:ext cx="8039100" cy="3933825"/>
+            <a:off x="5867400" y="2345267"/>
+            <a:ext cx="5791200" cy="3914775"/>
           </a:xfrm>
           <a:prstGeom prst="rect">
             <a:avLst/>
@@ -8112,7 +9406,7 @@
     </p:spTree>
     <p:extLst>
       <p:ext uri="{BB962C8B-B14F-4D97-AF65-F5344CB8AC3E}">
-        <p14:creationId xmlns:p14="http://schemas.microsoft.com/office/powerpoint/2010/main" val="598284927"/>
+        <p14:creationId xmlns:p14="http://schemas.microsoft.com/office/powerpoint/2010/main" val="4165010796"/>
       </p:ext>
     </p:extLst>
   </p:cSld>
@@ -8151,14 +9445,12 @@
         </p:nvSpPr>
         <p:spPr/>
         <p:txBody>
-          <a:bodyPr>
-            <a:normAutofit fontScale="90000"/>
-          </a:bodyPr>
+          <a:bodyPr/>
           <a:lstStyle/>
           <a:p>
             <a:r>
               <a:rPr lang="en-US" dirty="0"/>
-              <a:t>c2-listing4 – having the system tell us there’s a problem  rather than relying on us coming to our own conclusion</a:t>
+              <a:t>c2-listing3 – naming the guilty</a:t>
             </a:r>
           </a:p>
         </p:txBody>
@@ -8198,8 +9490,8 @@
         </p:blipFill>
         <p:spPr>
           <a:xfrm>
-            <a:off x="2781300" y="2065867"/>
-            <a:ext cx="8686800" cy="4543425"/>
+            <a:off x="3435350" y="2363787"/>
+            <a:ext cx="8039100" cy="3933825"/>
           </a:xfrm>
           <a:prstGeom prst="rect">
             <a:avLst/>
@@ -8209,7 +9501,7 @@
     </p:spTree>
     <p:extLst>
       <p:ext uri="{BB962C8B-B14F-4D97-AF65-F5344CB8AC3E}">
-        <p14:creationId xmlns:p14="http://schemas.microsoft.com/office/powerpoint/2010/main" val="2195772656"/>
+        <p14:creationId xmlns:p14="http://schemas.microsoft.com/office/powerpoint/2010/main" val="598284927"/>
       </p:ext>
     </p:extLst>
   </p:cSld>
@@ -8248,203 +9540,65 @@
         </p:nvSpPr>
         <p:spPr/>
         <p:txBody>
+          <a:bodyPr>
+            <a:normAutofit fontScale="90000"/>
+          </a:bodyPr>
+          <a:lstStyle/>
+          <a:p>
+            <a:r>
+              <a:rPr lang="en-US" dirty="0"/>
+              <a:t>c2-listing4 – having the system tell us there’s a problem  rather than relying on us coming to our own conclusion</a:t>
+            </a:r>
+          </a:p>
+        </p:txBody>
+      </p:sp>
+      <p:sp>
+        <p:nvSpPr>
+          <p:cNvPr id="3" name="Content Placeholder 2"/>
+          <p:cNvSpPr>
+            <a:spLocks noGrp="1"/>
+          </p:cNvSpPr>
+          <p:nvPr>
+            <p:ph idx="1"/>
+          </p:nvPr>
+        </p:nvSpPr>
+        <p:spPr/>
+        <p:txBody>
           <a:bodyPr/>
           <a:lstStyle/>
           <a:p>
-            <a:r>
-              <a:rPr lang="en-US" dirty="0" smtClean="0"/>
-              <a:t>c2-listing5 </a:t>
-            </a:r>
-            <a:r>
-              <a:rPr lang="en-US" dirty="0"/>
-              <a:t>– writing a log file</a:t>
-            </a:r>
+            <a:endParaRPr lang="en-US"/>
           </a:p>
         </p:txBody>
       </p:sp>
       <p:pic>
         <p:nvPicPr>
-          <p:cNvPr id="1026" name="Picture 2" descr="C:\Users\h175225\AppData\Local\Temp\SNAGHTML9bd60b8.PNG"/>
+          <p:cNvPr id="4" name="Picture 3"/>
           <p:cNvPicPr>
-            <a:picLocks noChangeAspect="1" noChangeArrowheads="1"/>
+            <a:picLocks noChangeAspect="1"/>
           </p:cNvPicPr>
           <p:nvPr/>
         </p:nvPicPr>
         <p:blipFill>
-          <a:blip r:embed="rId2">
-            <a:extLst>
-              <a:ext uri="{28A0092B-C50C-407E-A947-70E740481C1C}">
-                <a14:useLocalDpi xmlns:a14="http://schemas.microsoft.com/office/drawing/2010/main" val="0"/>
-              </a:ext>
-            </a:extLst>
-          </a:blip>
-          <a:srcRect/>
+          <a:blip r:embed="rId2"/>
           <a:stretch>
             <a:fillRect/>
           </a:stretch>
         </p:blipFill>
-        <p:spPr bwMode="auto">
-          <a:xfrm>
-            <a:off x="1146175" y="1933574"/>
-            <a:ext cx="9788525" cy="4574795"/>
+        <p:spPr>
+          <a:xfrm>
+            <a:off x="2781300" y="2065867"/>
+            <a:ext cx="8686800" cy="4543425"/>
           </a:xfrm>
           <a:prstGeom prst="rect">
             <a:avLst/>
           </a:prstGeom>
-          <a:noFill/>
-          <a:extLst>
-            <a:ext uri="{909E8E84-426E-40DD-AFC4-6F175D3DCCD1}">
-              <a14:hiddenFill xmlns:a14="http://schemas.microsoft.com/office/drawing/2010/main">
-                <a:solidFill>
-                  <a:srgbClr val="FFFFFF"/>
-                </a:solidFill>
-              </a14:hiddenFill>
-            </a:ext>
-          </a:extLst>
         </p:spPr>
       </p:pic>
-      <p:pic>
-        <p:nvPicPr>
-          <p:cNvPr id="1028" name="Picture 4"/>
-          <p:cNvPicPr>
-            <a:picLocks noChangeAspect="1" noChangeArrowheads="1"/>
-          </p:cNvPicPr>
-          <p:nvPr/>
-        </p:nvPicPr>
-        <p:blipFill>
-          <a:blip r:embed="rId3">
-            <a:extLst>
-              <a:ext uri="{28A0092B-C50C-407E-A947-70E740481C1C}">
-                <a14:useLocalDpi xmlns:a14="http://schemas.microsoft.com/office/drawing/2010/main" val="0"/>
-              </a:ext>
-            </a:extLst>
-          </a:blip>
-          <a:srcRect/>
-          <a:stretch>
-            <a:fillRect/>
-          </a:stretch>
-        </p:blipFill>
-        <p:spPr bwMode="auto">
-          <a:xfrm>
-            <a:off x="7261225" y="501269"/>
-            <a:ext cx="4679950" cy="6007100"/>
-          </a:xfrm>
-          <a:prstGeom prst="rect">
-            <a:avLst/>
-          </a:prstGeom>
-          <a:noFill/>
-          <a:ln>
-            <a:noFill/>
-          </a:ln>
-          <a:extLst>
-            <a:ext uri="{909E8E84-426E-40DD-AFC4-6F175D3DCCD1}">
-              <a14:hiddenFill xmlns:a14="http://schemas.microsoft.com/office/drawing/2010/main">
-                <a:solidFill>
-                  <a:schemeClr val="accent1"/>
-                </a:solidFill>
-              </a14:hiddenFill>
-            </a:ext>
-            <a:ext uri="{91240B29-F687-4F45-9708-019B960494DF}">
-              <a14:hiddenLine xmlns:a14="http://schemas.microsoft.com/office/drawing/2010/main" w="9525">
-                <a:solidFill>
-                  <a:schemeClr val="tx1"/>
-                </a:solidFill>
-                <a:miter lim="800000"/>
-                <a:headEnd/>
-                <a:tailEnd/>
-              </a14:hiddenLine>
-            </a:ext>
-          </a:extLst>
-        </p:spPr>
-      </p:pic>
-      <p:sp>
-        <p:nvSpPr>
-          <p:cNvPr id="7" name="TextBox 6"/>
-          <p:cNvSpPr txBox="1"/>
-          <p:nvPr/>
-        </p:nvSpPr>
-        <p:spPr>
-          <a:xfrm>
-            <a:off x="5794084" y="4861932"/>
-            <a:ext cx="5851815" cy="1754326"/>
-          </a:xfrm>
-          <a:prstGeom prst="rect">
-            <a:avLst/>
-          </a:prstGeom>
-          <a:solidFill>
-            <a:schemeClr val="bg2">
-              <a:lumMod val="50000"/>
-            </a:schemeClr>
-          </a:solidFill>
-          <a:ln>
-            <a:solidFill>
-              <a:schemeClr val="accent1">
-                <a:lumMod val="20000"/>
-                <a:lumOff val="80000"/>
-              </a:schemeClr>
-            </a:solidFill>
-          </a:ln>
-        </p:spPr>
-        <p:txBody>
-          <a:bodyPr wrap="square" lIns="182880" tIns="182880" rIns="182880" bIns="182880" rtlCol="0">
-            <a:spAutoFit/>
-          </a:bodyPr>
-          <a:lstStyle/>
-          <a:p>
-            <a:r>
-              <a:rPr lang="en-US" dirty="0" smtClean="0"/>
-              <a:t>The program now barely fits on the screen– of course many complex programs will be hundreds or thousands of lines long, but in this case, we can accomplish the same result in a more concise and more readable way. Let’s take a look at how to do that.</a:t>
-            </a:r>
-            <a:endParaRPr lang="en-US" dirty="0"/>
-          </a:p>
-        </p:txBody>
-      </p:sp>
-      <p:sp>
-        <p:nvSpPr>
-          <p:cNvPr id="8" name="TextBox 7"/>
-          <p:cNvSpPr txBox="1"/>
-          <p:nvPr/>
-        </p:nvSpPr>
-        <p:spPr>
-          <a:xfrm>
-            <a:off x="399469" y="149851"/>
-            <a:ext cx="6179131" cy="923330"/>
-          </a:xfrm>
-          <a:prstGeom prst="rect">
-            <a:avLst/>
-          </a:prstGeom>
-          <a:solidFill>
-            <a:schemeClr val="bg2">
-              <a:lumMod val="50000"/>
-            </a:schemeClr>
-          </a:solidFill>
-          <a:ln>
-            <a:solidFill>
-              <a:schemeClr val="accent1">
-                <a:lumMod val="20000"/>
-                <a:lumOff val="80000"/>
-              </a:schemeClr>
-            </a:solidFill>
-          </a:ln>
-        </p:spPr>
-        <p:txBody>
-          <a:bodyPr wrap="square" lIns="182880" tIns="182880" rIns="182880" bIns="182880" rtlCol="0">
-            <a:spAutoFit/>
-          </a:bodyPr>
-          <a:lstStyle/>
-          <a:p>
-            <a:r>
-              <a:rPr lang="en-US" dirty="0" smtClean="0"/>
-              <a:t>We want to have the same information that we’re printing to the console to be stored in a file. In this listing, we’ll do that.</a:t>
-            </a:r>
-            <a:endParaRPr lang="en-US" dirty="0"/>
-          </a:p>
-        </p:txBody>
-      </p:sp>
     </p:spTree>
     <p:extLst>
       <p:ext uri="{BB962C8B-B14F-4D97-AF65-F5344CB8AC3E}">
-        <p14:creationId xmlns:p14="http://schemas.microsoft.com/office/powerpoint/2010/main" val="3534063702"/>
+        <p14:creationId xmlns:p14="http://schemas.microsoft.com/office/powerpoint/2010/main" val="2195772656"/>
       </p:ext>
     </p:extLst>
   </p:cSld>
@@ -8487,42 +9641,117 @@
           <a:lstStyle/>
           <a:p>
             <a:r>
-              <a:rPr lang="en-US" dirty="0" smtClean="0"/>
-              <a:t>c2-listing6 – housekeeping</a:t>
-            </a:r>
-            <a:endParaRPr lang="en-US" dirty="0"/>
-          </a:p>
-        </p:txBody>
-      </p:sp>
-      <p:sp>
-        <p:nvSpPr>
-          <p:cNvPr id="3" name="Content Placeholder 2"/>
-          <p:cNvSpPr>
-            <a:spLocks noGrp="1"/>
-          </p:cNvSpPr>
-          <p:nvPr>
-            <p:ph idx="1"/>
-          </p:nvPr>
-        </p:nvSpPr>
-        <p:spPr/>
-        <p:txBody>
-          <a:bodyPr/>
-          <a:lstStyle/>
-          <a:p>
-            <a:endParaRPr lang="en-US"/>
-          </a:p>
-        </p:txBody>
-      </p:sp>
-      <p:sp>
-        <p:nvSpPr>
-          <p:cNvPr id="5" name="TextBox 4"/>
+              <a:rPr lang="en-US" dirty="0"/>
+              <a:t>c2-listing5 – writing a log file</a:t>
+            </a:r>
+          </a:p>
+        </p:txBody>
+      </p:sp>
+      <p:pic>
+        <p:nvPicPr>
+          <p:cNvPr id="1026" name="Picture 2" descr="C:\Users\h175225\AppData\Local\Temp\SNAGHTML9bd60b8.PNG"/>
+          <p:cNvPicPr>
+            <a:picLocks noChangeAspect="1" noChangeArrowheads="1"/>
+          </p:cNvPicPr>
+          <p:nvPr/>
+        </p:nvPicPr>
+        <p:blipFill>
+          <a:blip r:embed="rId2">
+            <a:extLst>
+              <a:ext uri="{28A0092B-C50C-407E-A947-70E740481C1C}">
+                <a14:useLocalDpi xmlns:a14="http://schemas.microsoft.com/office/drawing/2010/main" val="0"/>
+              </a:ext>
+            </a:extLst>
+          </a:blip>
+          <a:srcRect/>
+          <a:stretch>
+            <a:fillRect/>
+          </a:stretch>
+        </p:blipFill>
+        <p:spPr bwMode="auto">
+          <a:xfrm>
+            <a:off x="1146175" y="1933574"/>
+            <a:ext cx="9788525" cy="4574795"/>
+          </a:xfrm>
+          <a:prstGeom prst="rect">
+            <a:avLst/>
+          </a:prstGeom>
+          <a:noFill/>
+          <a:extLst>
+            <a:ext uri="{909E8E84-426E-40DD-AFC4-6F175D3DCCD1}">
+              <a14:hiddenFill xmlns:a14="http://schemas.microsoft.com/office/drawing/2010/main">
+                <a:solidFill>
+                  <a:srgbClr val="FFFFFF"/>
+                </a:solidFill>
+              </a14:hiddenFill>
+            </a:ext>
+          </a:extLst>
+        </p:spPr>
+      </p:pic>
+      <p:pic>
+        <p:nvPicPr>
+          <p:cNvPr id="1028" name="Picture 4"/>
+          <p:cNvPicPr>
+            <a:picLocks noChangeAspect="1" noChangeArrowheads="1"/>
+          </p:cNvPicPr>
+          <p:nvPr/>
+        </p:nvPicPr>
+        <p:blipFill>
+          <a:blip r:embed="rId3">
+            <a:extLst>
+              <a:ext uri="{28A0092B-C50C-407E-A947-70E740481C1C}">
+                <a14:useLocalDpi xmlns:a14="http://schemas.microsoft.com/office/drawing/2010/main" val="0"/>
+              </a:ext>
+            </a:extLst>
+          </a:blip>
+          <a:srcRect/>
+          <a:stretch>
+            <a:fillRect/>
+          </a:stretch>
+        </p:blipFill>
+        <p:spPr bwMode="auto">
+          <a:xfrm>
+            <a:off x="7261225" y="501269"/>
+            <a:ext cx="4679950" cy="6007100"/>
+          </a:xfrm>
+          <a:prstGeom prst="rect">
+            <a:avLst/>
+          </a:prstGeom>
+          <a:noFill/>
+          <a:ln>
+            <a:noFill/>
+          </a:ln>
+          <a:extLst>
+            <a:ext uri="{909E8E84-426E-40DD-AFC4-6F175D3DCCD1}">
+              <a14:hiddenFill xmlns:a14="http://schemas.microsoft.com/office/drawing/2010/main">
+                <a:solidFill>
+                  <a:schemeClr val="accent1"/>
+                </a:solidFill>
+              </a14:hiddenFill>
+            </a:ext>
+            <a:ext uri="{91240B29-F687-4F45-9708-019B960494DF}">
+              <a14:hiddenLine xmlns:a14="http://schemas.microsoft.com/office/drawing/2010/main" w="9525">
+                <a:solidFill>
+                  <a:schemeClr val="tx1"/>
+                </a:solidFill>
+                <a:miter lim="800000"/>
+                <a:headEnd/>
+                <a:tailEnd/>
+              </a14:hiddenLine>
+            </a:ext>
+          </a:extLst>
+        </p:spPr>
+      </p:pic>
+      <p:sp>
+        <p:nvSpPr>
+          <p:cNvPr id="7" name="TextBox 6"/>
           <p:cNvSpPr txBox="1"/>
           <p:nvPr/>
         </p:nvSpPr>
         <p:spPr>
           <a:xfrm>
-            <a:off x="587084" y="1890132"/>
-            <a:ext cx="5851815" cy="646331"/>
+            <a:off x="5794084" y="4861932"/>
+            <a:ext cx="5851815" cy="1754326"/>
           </a:xfrm>
           <a:prstGeom prst="rect">
             <a:avLst/>
@@ -8548,17 +9777,57 @@
           <a:lstStyle/>
           <a:p>
             <a:r>
-              <a:rPr lang="en-US" dirty="0" smtClean="0"/>
-              <a:t>We’ll move all of our logging capabilities into a function.</a:t>
-            </a:r>
-            <a:endParaRPr lang="en-US" dirty="0"/>
+              <a:rPr lang="en-US" dirty="0"/>
+              <a:t>The program now barely fits on the screen– of course many complex programs will be hundreds or thousands of lines long, but in this case, we can accomplish the same result in a more concise and more readable way. Let’s take a look at how to do that.</a:t>
+            </a:r>
+          </a:p>
+        </p:txBody>
+      </p:sp>
+      <p:sp>
+        <p:nvSpPr>
+          <p:cNvPr id="8" name="TextBox 7"/>
+          <p:cNvSpPr txBox="1"/>
+          <p:nvPr/>
+        </p:nvSpPr>
+        <p:spPr>
+          <a:xfrm>
+            <a:off x="399469" y="149851"/>
+            <a:ext cx="6179131" cy="923330"/>
+          </a:xfrm>
+          <a:prstGeom prst="rect">
+            <a:avLst/>
+          </a:prstGeom>
+          <a:solidFill>
+            <a:schemeClr val="bg2">
+              <a:lumMod val="50000"/>
+            </a:schemeClr>
+          </a:solidFill>
+          <a:ln>
+            <a:solidFill>
+              <a:schemeClr val="accent1">
+                <a:lumMod val="20000"/>
+                <a:lumOff val="80000"/>
+              </a:schemeClr>
+            </a:solidFill>
+          </a:ln>
+        </p:spPr>
+        <p:txBody>
+          <a:bodyPr wrap="square" lIns="182880" tIns="182880" rIns="182880" bIns="182880" rtlCol="0">
+            <a:spAutoFit/>
+          </a:bodyPr>
+          <a:lstStyle/>
+          <a:p>
+            <a:r>
+              <a:rPr lang="en-US" dirty="0"/>
+              <a:t>We want to have the same information that we’re printing to the console to be stored in a file. In this listing, we’ll do that.</a:t>
+            </a:r>
           </a:p>
         </p:txBody>
       </p:sp>
     </p:spTree>
     <p:extLst>
       <p:ext uri="{BB962C8B-B14F-4D97-AF65-F5344CB8AC3E}">
-        <p14:creationId xmlns:p14="http://schemas.microsoft.com/office/powerpoint/2010/main" val="1153985059"/>
+        <p14:creationId xmlns:p14="http://schemas.microsoft.com/office/powerpoint/2010/main" val="3534063702"/>
       </p:ext>
     </p:extLst>
   </p:cSld>
@@ -8811,7 +10080,7 @@
   <a:extraClrSchemeLst/>
   <a:extLst>
     <a:ext uri="{05A4C25C-085E-4340-85A3-A5531E510DB2}">
-      <thm15:themeFamily xmlns:thm15="http://schemas.microsoft.com/office/thememl/2012/main" xmlns="" name="Celestial" id="{C4BB2A3D-0E93-4C5F-B0D2-9D3FCE089CC5}" vid="{E44E6A2F-09CD-4BE0-B42D-107FF03CEED6}"/>
+      <thm15:themeFamily xmlns:thm15="http://schemas.microsoft.com/office/thememl/2012/main" name="Celestial" id="{C4BB2A3D-0E93-4C5F-B0D2-9D3FCE089CC5}" vid="{E44E6A2F-09CD-4BE0-B42D-107FF03CEED6}"/>
     </a:ext>
   </a:extLst>
 </a:theme>
@@ -9106,7 +10375,7 @@
   <a:extraClrSchemeLst/>
   <a:extLst>
     <a:ext uri="{05A4C25C-085E-4340-85A3-A5531E510DB2}">
-      <thm15:themeFamily xmlns:thm15="http://schemas.microsoft.com/office/thememl/2012/main" xmlns="" name="Office Theme" id="{62F939B6-93AF-4DB8-9C6B-D6C7DFDC589F}" vid="{4A3C46E8-61CC-4603-A589-7422A47A8E4A}"/>
+      <thm15:themeFamily xmlns:thm15="http://schemas.microsoft.com/office/thememl/2012/main" name="Office Theme" id="{62F939B6-93AF-4DB8-9C6B-D6C7DFDC589F}" vid="{4A3C46E8-61CC-4603-A589-7422A47A8E4A}"/>
     </a:ext>
   </a:extLst>
 </a:theme>
